--- a/ppt/Amedac 现有端点 v1.pptx
+++ b/ppt/Amedac 现有端点 v1.pptx
@@ -6,6 +6,7 @@
   </p:sldMasterIdLst>
   <p:sldIdLst>
     <p:sldId id="1306" r:id="rId2"/>
+    <p:sldId id="1307" r:id="rId3"/>
   </p:sldIdLst>
   <p:sldSz cx="12192000" cy="6858000"/>
   <p:notesSz cx="6858000" cy="9144000"/>
@@ -259,7 +260,7 @@
           <a:p>
             <a:fld id="{9A386F92-77E3-43FE-BE72-EBA5FC5309E2}" type="datetimeFigureOut">
               <a:rPr lang="zh-CN" altLang="en-US" smtClean="0"/>
-              <a:t>2020/2/12</a:t>
+              <a:t>2021/6/11</a:t>
             </a:fld>
             <a:endParaRPr lang="zh-CN" altLang="en-US"/>
           </a:p>
@@ -457,7 +458,7 @@
           <a:p>
             <a:fld id="{9A386F92-77E3-43FE-BE72-EBA5FC5309E2}" type="datetimeFigureOut">
               <a:rPr lang="zh-CN" altLang="en-US" smtClean="0"/>
-              <a:t>2020/2/12</a:t>
+              <a:t>2021/6/11</a:t>
             </a:fld>
             <a:endParaRPr lang="zh-CN" altLang="en-US"/>
           </a:p>
@@ -665,7 +666,7 @@
           <a:p>
             <a:fld id="{9A386F92-77E3-43FE-BE72-EBA5FC5309E2}" type="datetimeFigureOut">
               <a:rPr lang="zh-CN" altLang="en-US" smtClean="0"/>
-              <a:t>2020/2/12</a:t>
+              <a:t>2021/6/11</a:t>
             </a:fld>
             <a:endParaRPr lang="zh-CN" altLang="en-US"/>
           </a:p>
@@ -863,7 +864,7 @@
           <a:p>
             <a:fld id="{9A386F92-77E3-43FE-BE72-EBA5FC5309E2}" type="datetimeFigureOut">
               <a:rPr lang="zh-CN" altLang="en-US" smtClean="0"/>
-              <a:t>2020/2/12</a:t>
+              <a:t>2021/6/11</a:t>
             </a:fld>
             <a:endParaRPr lang="zh-CN" altLang="en-US"/>
           </a:p>
@@ -1138,7 +1139,7 @@
           <a:p>
             <a:fld id="{9A386F92-77E3-43FE-BE72-EBA5FC5309E2}" type="datetimeFigureOut">
               <a:rPr lang="zh-CN" altLang="en-US" smtClean="0"/>
-              <a:t>2020/2/12</a:t>
+              <a:t>2021/6/11</a:t>
             </a:fld>
             <a:endParaRPr lang="zh-CN" altLang="en-US"/>
           </a:p>
@@ -1403,7 +1404,7 @@
           <a:p>
             <a:fld id="{9A386F92-77E3-43FE-BE72-EBA5FC5309E2}" type="datetimeFigureOut">
               <a:rPr lang="zh-CN" altLang="en-US" smtClean="0"/>
-              <a:t>2020/2/12</a:t>
+              <a:t>2021/6/11</a:t>
             </a:fld>
             <a:endParaRPr lang="zh-CN" altLang="en-US"/>
           </a:p>
@@ -1815,7 +1816,7 @@
           <a:p>
             <a:fld id="{9A386F92-77E3-43FE-BE72-EBA5FC5309E2}" type="datetimeFigureOut">
               <a:rPr lang="zh-CN" altLang="en-US" smtClean="0"/>
-              <a:t>2020/2/12</a:t>
+              <a:t>2021/6/11</a:t>
             </a:fld>
             <a:endParaRPr lang="zh-CN" altLang="en-US"/>
           </a:p>
@@ -1956,7 +1957,7 @@
           <a:p>
             <a:fld id="{9A386F92-77E3-43FE-BE72-EBA5FC5309E2}" type="datetimeFigureOut">
               <a:rPr lang="zh-CN" altLang="en-US" smtClean="0"/>
-              <a:t>2020/2/12</a:t>
+              <a:t>2021/6/11</a:t>
             </a:fld>
             <a:endParaRPr lang="zh-CN" altLang="en-US"/>
           </a:p>
@@ -2069,7 +2070,7 @@
           <a:p>
             <a:fld id="{9A386F92-77E3-43FE-BE72-EBA5FC5309E2}" type="datetimeFigureOut">
               <a:rPr lang="zh-CN" altLang="en-US" smtClean="0"/>
-              <a:t>2020/2/12</a:t>
+              <a:t>2021/6/11</a:t>
             </a:fld>
             <a:endParaRPr lang="zh-CN" altLang="en-US"/>
           </a:p>
@@ -2380,7 +2381,7 @@
           <a:p>
             <a:fld id="{9A386F92-77E3-43FE-BE72-EBA5FC5309E2}" type="datetimeFigureOut">
               <a:rPr lang="zh-CN" altLang="en-US" smtClean="0"/>
-              <a:t>2020/2/12</a:t>
+              <a:t>2021/6/11</a:t>
             </a:fld>
             <a:endParaRPr lang="zh-CN" altLang="en-US"/>
           </a:p>
@@ -2668,7 +2669,7 @@
           <a:p>
             <a:fld id="{9A386F92-77E3-43FE-BE72-EBA5FC5309E2}" type="datetimeFigureOut">
               <a:rPr lang="zh-CN" altLang="en-US" smtClean="0"/>
-              <a:t>2020/2/12</a:t>
+              <a:t>2021/6/11</a:t>
             </a:fld>
             <a:endParaRPr lang="zh-CN" altLang="en-US"/>
           </a:p>
@@ -2909,7 +2910,7 @@
           <a:p>
             <a:fld id="{9A386F92-77E3-43FE-BE72-EBA5FC5309E2}" type="datetimeFigureOut">
               <a:rPr lang="zh-CN" altLang="en-US" smtClean="0"/>
-              <a:t>2020/2/12</a:t>
+              <a:t>2021/6/11</a:t>
             </a:fld>
             <a:endParaRPr lang="zh-CN" altLang="en-US"/>
           </a:p>
@@ -5204,6 +5205,86 @@
 </p:sld>
 </file>
 
+<file path=ppt/slides/slide2.xml><?xml version="1.0" encoding="utf-8"?>
+<p:sld xmlns:a="http://schemas.openxmlformats.org/drawingml/2006/main" xmlns:r="http://schemas.openxmlformats.org/officeDocument/2006/relationships" xmlns:p="http://schemas.openxmlformats.org/presentationml/2006/main">
+  <p:cSld>
+    <p:spTree>
+      <p:nvGrpSpPr>
+        <p:cNvPr id="1" name=""/>
+        <p:cNvGrpSpPr/>
+        <p:nvPr/>
+      </p:nvGrpSpPr>
+      <p:grpSpPr>
+        <a:xfrm>
+          <a:off x="0" y="0"/>
+          <a:ext cx="0" cy="0"/>
+          <a:chOff x="0" y="0"/>
+          <a:chExt cx="0" cy="0"/>
+        </a:xfrm>
+      </p:grpSpPr>
+      <p:sp>
+        <p:nvSpPr>
+          <p:cNvPr id="2" name="标题 1">
+            <a:extLst>
+              <a:ext uri="{FF2B5EF4-FFF2-40B4-BE49-F238E27FC236}">
+                <a16:creationId xmlns:a16="http://schemas.microsoft.com/office/drawing/2014/main" id="{28C16159-B2AC-45D5-9317-E59FD99A6ECB}"/>
+              </a:ext>
+            </a:extLst>
+          </p:cNvPr>
+          <p:cNvSpPr>
+            <a:spLocks noGrp="1"/>
+          </p:cNvSpPr>
+          <p:nvPr>
+            <p:ph type="title"/>
+          </p:nvPr>
+        </p:nvSpPr>
+        <p:spPr/>
+        <p:txBody>
+          <a:bodyPr/>
+          <a:lstStyle/>
+          <a:p>
+            <a:endParaRPr lang="zh-CN" altLang="en-US"/>
+          </a:p>
+        </p:txBody>
+      </p:sp>
+      <p:sp>
+        <p:nvSpPr>
+          <p:cNvPr id="3" name="内容占位符 2">
+            <a:extLst>
+              <a:ext uri="{FF2B5EF4-FFF2-40B4-BE49-F238E27FC236}">
+                <a16:creationId xmlns:a16="http://schemas.microsoft.com/office/drawing/2014/main" id="{6B87F6B2-F92B-41DE-909A-CF7471376BA9}"/>
+              </a:ext>
+            </a:extLst>
+          </p:cNvPr>
+          <p:cNvSpPr>
+            <a:spLocks noGrp="1"/>
+          </p:cNvSpPr>
+          <p:nvPr>
+            <p:ph idx="1"/>
+          </p:nvPr>
+        </p:nvSpPr>
+        <p:spPr/>
+        <p:txBody>
+          <a:bodyPr/>
+          <a:lstStyle/>
+          <a:p>
+            <a:endParaRPr lang="zh-CN" altLang="en-US"/>
+          </a:p>
+        </p:txBody>
+      </p:sp>
+    </p:spTree>
+    <p:extLst>
+      <p:ext uri="{BB962C8B-B14F-4D97-AF65-F5344CB8AC3E}">
+        <p14:creationId xmlns:p14="http://schemas.microsoft.com/office/powerpoint/2010/main" val="2149793390"/>
+      </p:ext>
+    </p:extLst>
+  </p:cSld>
+  <p:clrMapOvr>
+    <a:masterClrMapping/>
+  </p:clrMapOvr>
+</p:sld>
+</file>
+
 <file path=ppt/theme/theme1.xml><?xml version="1.0" encoding="utf-8"?>
 <a:theme xmlns:a="http://schemas.openxmlformats.org/drawingml/2006/main" name="Office 主题​​">
   <a:themeElements>
